--- a/pp_DA4_BanMyPham.pptx
+++ b/pp_DA4_BanMyPham.pptx
@@ -28,7 +28,7 @@
   <p:notesSz cx="6858000" cy="9144000"/>
   <p:embeddedFontLst>
     <p:embeddedFont>
-      <p:font typeface="Anaheim" panose="020B0604020202020204" charset="0"/>
+      <p:font typeface="Anaheim"/>
       <p:regular r:id="rId18"/>
     </p:embeddedFont>
     <p:embeddedFont>
@@ -46,17 +46,17 @@
       <p:bold r:id="rId23"/>
     </p:embeddedFont>
     <p:embeddedFont>
-      <p:font typeface="Quicksand" panose="020B0604020202020204" charset="0"/>
+      <p:font typeface="Quicksand"/>
       <p:regular r:id="rId24"/>
       <p:bold r:id="rId25"/>
     </p:embeddedFont>
     <p:embeddedFont>
-      <p:font typeface="Quicksand Medium" panose="020B0604020202020204" charset="0"/>
+      <p:font typeface="Quicksand Medium"/>
       <p:regular r:id="rId26"/>
       <p:bold r:id="rId27"/>
     </p:embeddedFont>
     <p:embeddedFont>
-      <p:font typeface="Raleway" pitchFamily="2" charset="0"/>
+      <p:font typeface="Raleway" pitchFamily="2" charset="-93"/>
       <p:regular r:id="rId28"/>
       <p:bold r:id="rId29"/>
       <p:italic r:id="rId30"/>
@@ -16658,7 +16658,7 @@
               <a:buNone/>
             </a:pPr>
             <a:r>
-              <a:rPr lang="en" sz="5400">
+              <a:rPr lang="en" sz="5400" dirty="0">
                 <a:solidFill>
                   <a:schemeClr val="accent6"/>
                 </a:solidFill>
@@ -16666,9 +16666,9 @@
                 <a:ea typeface="ADLaM Display" panose="020F0502020204030204" pitchFamily="2" charset="0"/>
                 <a:cs typeface="ADLaM Display" panose="020F0502020204030204" pitchFamily="2" charset="0"/>
               </a:rPr>
-              <a:t>ĐỒ ÁN 3</a:t>
+              <a:t>ĐỒ ÁN 4</a:t>
             </a:r>
-            <a:endParaRPr sz="4000">
+            <a:endParaRPr sz="4000" dirty="0">
               <a:latin typeface="Bahnschrift Condensed" panose="020B0502040204020203" pitchFamily="34" charset="0"/>
               <a:ea typeface="ADLaM Display" panose="020F0502020204030204" pitchFamily="2" charset="0"/>
               <a:cs typeface="ADLaM Display" panose="020F0502020204030204" pitchFamily="2" charset="0"/>
@@ -16708,7 +16708,7 @@
                   <a:schemeClr val="bg1"/>
                 </a:solidFill>
               </a:rPr>
-              <a:t>Thiết kế Website đặt và bán</a:t>
+              <a:t>Xây dựng Website bán</a:t>
             </a:r>
             <a:r>
               <a:rPr lang="en-US" sz="3600" dirty="0">
@@ -16741,6 +16741,22 @@
                 </a:solidFill>
               </a:rPr>
               <a:t>phẩm</a:t>
+            </a:r>
+            <a:r>
+              <a:rPr lang="en-US" sz="3600" dirty="0">
+                <a:solidFill>
+                  <a:schemeClr val="bg1"/>
+                </a:solidFill>
+              </a:rPr>
+              <a:t> </a:t>
+            </a:r>
+            <a:r>
+              <a:rPr lang="en-US" sz="3600" dirty="0" err="1">
+                <a:solidFill>
+                  <a:schemeClr val="bg1"/>
+                </a:solidFill>
+              </a:rPr>
+              <a:t>Hasaki</a:t>
             </a:r>
             <a:endParaRPr lang="vi-VN" dirty="0"/>
           </a:p>
@@ -18047,12 +18063,12 @@
               <a:buNone/>
             </a:pPr>
             <a:r>
-              <a:rPr lang="en" b="1">
+              <a:rPr lang="en" b="1" dirty="0">
                 <a:latin typeface="Bahnschrift Condensed" panose="020B0502040204020203" pitchFamily="34" charset="0"/>
               </a:rPr>
               <a:t>TRIỂN KHAI WEBSITE</a:t>
             </a:r>
-            <a:endParaRPr b="1">
+            <a:endParaRPr b="1" dirty="0">
               <a:latin typeface="Bahnschrift Condensed" panose="020B0502040204020203" pitchFamily="34" charset="0"/>
             </a:endParaRPr>
           </a:p>
@@ -18093,10 +18109,10 @@
               <a:buNone/>
             </a:pPr>
             <a:r>
-              <a:rPr lang="en"/>
+              <a:rPr lang="en" dirty="0"/>
               <a:t>04.</a:t>
             </a:r>
-            <a:endParaRPr/>
+            <a:endParaRPr dirty="0"/>
           </a:p>
         </p:txBody>
       </p:sp>
@@ -29077,7 +29093,7 @@
         <p:spPr bwMode="auto">
           <a:xfrm>
             <a:off x="3804034" y="2417118"/>
-            <a:ext cx="1681476" cy="1137688"/>
+            <a:ext cx="1681476" cy="1193186"/>
           </a:xfrm>
           <a:prstGeom prst="rect">
             <a:avLst/>
@@ -31521,10 +31537,10 @@
         </p:nvGrpSpPr>
         <p:grpSpPr>
           <a:xfrm>
-            <a:off x="5399625" y="3349273"/>
-            <a:ext cx="3399862" cy="323165"/>
-            <a:chOff x="7637355" y="2136314"/>
-            <a:chExt cx="3744000" cy="323165"/>
+            <a:off x="5257431" y="3342080"/>
+            <a:ext cx="3542056" cy="323165"/>
+            <a:chOff x="7480768" y="2129121"/>
+            <a:chExt cx="3900587" cy="323165"/>
           </a:xfrm>
         </p:grpSpPr>
         <p:sp>
@@ -31541,7 +31557,7 @@
           </p:nvSpPr>
           <p:spPr>
             <a:xfrm>
-              <a:off x="7653348" y="2136314"/>
+              <a:off x="7480768" y="2129121"/>
               <a:ext cx="3712015" cy="323165"/>
             </a:xfrm>
             <a:prstGeom prst="rect">
@@ -31557,7 +31573,7 @@
             <a:p>
               <a:pPr algn="r"/>
               <a:r>
-                <a:rPr lang="en-US" altLang="ko-KR" sz="1500" b="1">
+                <a:rPr lang="en-US" altLang="ko-KR" sz="1500" b="1" dirty="0" err="1">
                   <a:solidFill>
                     <a:schemeClr val="bg2"/>
                   </a:solidFill>
@@ -31630,10 +31646,10 @@
         </p:nvGrpSpPr>
         <p:grpSpPr>
           <a:xfrm>
-            <a:off x="309592" y="3532711"/>
-            <a:ext cx="3399862" cy="323165"/>
-            <a:chOff x="890962" y="2114298"/>
-            <a:chExt cx="3744000" cy="323165"/>
+            <a:off x="309592" y="3532839"/>
+            <a:ext cx="3576979" cy="323165"/>
+            <a:chOff x="890962" y="2114426"/>
+            <a:chExt cx="3939045" cy="323165"/>
           </a:xfrm>
         </p:grpSpPr>
         <p:sp>
@@ -31650,7 +31666,7 @@
           </p:nvSpPr>
           <p:spPr>
             <a:xfrm>
-              <a:off x="906954" y="2114298"/>
+              <a:off x="1117991" y="2114426"/>
               <a:ext cx="3712016" cy="323165"/>
             </a:xfrm>
             <a:prstGeom prst="rect">
@@ -31665,7 +31681,7 @@
             <a:lstStyle/>
             <a:p>
               <a:r>
-                <a:rPr lang="en-US" altLang="ko-KR" sz="1500" b="1">
+                <a:rPr lang="en-US" altLang="ko-KR" sz="1500" b="1" dirty="0">
                   <a:solidFill>
                     <a:schemeClr val="accent1"/>
                   </a:solidFill>
@@ -32133,7 +32149,7 @@
         </p:blipFill>
         <p:spPr>
           <a:xfrm>
-            <a:off x="8108245" y="3730010"/>
+            <a:off x="7942338" y="3729468"/>
             <a:ext cx="525677" cy="525677"/>
           </a:xfrm>
           <a:prstGeom prst="ellipse">
@@ -32228,7 +32244,7 @@
         </p:blipFill>
         <p:spPr bwMode="auto">
           <a:xfrm>
-            <a:off x="7005476" y="3771556"/>
+            <a:off x="6798174" y="3769581"/>
             <a:ext cx="848885" cy="458634"/>
           </a:xfrm>
           <a:prstGeom prst="rect">
@@ -32260,7 +32276,7 @@
         </p:nvSpPr>
         <p:spPr>
           <a:xfrm>
-            <a:off x="8047977" y="4228215"/>
+            <a:off x="7931405" y="4228215"/>
             <a:ext cx="766913" cy="246221"/>
           </a:xfrm>
           <a:prstGeom prst="rect">
@@ -32275,10 +32291,10 @@
           <a:lstStyle/>
           <a:p>
             <a:r>
-              <a:rPr lang="en-US" sz="1000" b="1"/>
+              <a:rPr lang="en-US" sz="1000" b="1" dirty="0"/>
               <a:t>Laravel</a:t>
             </a:r>
-            <a:endParaRPr lang="vi-VN" sz="1000" b="1"/>
+            <a:endParaRPr lang="vi-VN" sz="1000" b="1" dirty="0"/>
           </a:p>
         </p:txBody>
       </p:sp>
@@ -32296,7 +32312,7 @@
         </p:nvSpPr>
         <p:spPr>
           <a:xfrm>
-            <a:off x="6985957" y="4216091"/>
+            <a:off x="6798174" y="4209364"/>
             <a:ext cx="1048801" cy="400110"/>
           </a:xfrm>
           <a:prstGeom prst="rect">
@@ -32311,7 +32327,7 @@
           <a:lstStyle/>
           <a:p>
             <a:r>
-              <a:rPr lang="vi-VN" sz="1000" b="1"/>
+              <a:rPr lang="vi-VN" sz="1000" b="1" dirty="0"/>
               <a:t>Hypertext Preprocessor</a:t>
             </a:r>
           </a:p>
@@ -32483,7 +32499,7 @@
         </p:blipFill>
         <p:spPr bwMode="auto">
           <a:xfrm>
-            <a:off x="4321086" y="2350821"/>
+            <a:off x="4309449" y="2334835"/>
             <a:ext cx="504024" cy="469498"/>
           </a:xfrm>
           <a:prstGeom prst="rect">
@@ -32937,23 +32953,23 @@
               <a:buNone/>
             </a:pPr>
             <a:r>
-              <a:rPr lang="en" sz="4000" b="1">
+              <a:rPr lang="en" sz="4000" b="1" dirty="0">
                 <a:latin typeface="Bahnschrift Condensed" panose="020B0502040204020203" pitchFamily="34" charset="0"/>
               </a:rPr>
               <a:t>PHÂN TÍCH VÀ </a:t>
             </a:r>
             <a:br>
-              <a:rPr lang="en" sz="4000" b="1">
+              <a:rPr lang="en" sz="4000" b="1" dirty="0">
                 <a:latin typeface="Bahnschrift Condensed" panose="020B0502040204020203" pitchFamily="34" charset="0"/>
               </a:rPr>
             </a:br>
             <a:r>
-              <a:rPr lang="en" sz="4000" b="1">
+              <a:rPr lang="en" sz="4000" b="1" dirty="0">
                 <a:latin typeface="Bahnschrift Condensed" panose="020B0502040204020203" pitchFamily="34" charset="0"/>
               </a:rPr>
               <a:t>THIẾT KẾ HỆ THỐNG</a:t>
             </a:r>
-            <a:endParaRPr sz="4000" b="1">
+            <a:endParaRPr sz="4000" b="1" dirty="0">
               <a:latin typeface="Bahnschrift Condensed" panose="020B0502040204020203" pitchFamily="34" charset="0"/>
             </a:endParaRPr>
           </a:p>
@@ -32994,10 +33010,10 @@
               <a:buNone/>
             </a:pPr>
             <a:r>
-              <a:rPr lang="en"/>
+              <a:rPr lang="en" dirty="0"/>
               <a:t>03.</a:t>
             </a:r>
-            <a:endParaRPr/>
+            <a:endParaRPr dirty="0"/>
           </a:p>
         </p:txBody>
       </p:sp>
@@ -33408,18 +33424,36 @@
               <a:buNone/>
             </a:pPr>
             <a:r>
-              <a:rPr lang="vi-VN" b="1">
+              <a:rPr lang="vi-VN" b="1" dirty="0">
                 <a:latin typeface="Bahnschrift Condensed" panose="020B0502040204020203" pitchFamily="34" charset="0"/>
               </a:rPr>
               <a:t>B</a:t>
             </a:r>
             <a:r>
-              <a:rPr lang="en-US" b="1">
+              <a:rPr lang="en-US" b="1" dirty="0" err="1">
                 <a:latin typeface="Bahnschrift Condensed" panose="020B0502040204020203" pitchFamily="34" charset="0"/>
               </a:rPr>
-              <a:t>IỂU ĐỒ USE CASE</a:t>
+              <a:t>IỂU</a:t>
             </a:r>
-            <a:endParaRPr/>
+            <a:r>
+              <a:rPr lang="en-US" b="1" dirty="0">
+                <a:latin typeface="Bahnschrift Condensed" panose="020B0502040204020203" pitchFamily="34" charset="0"/>
+              </a:rPr>
+              <a:t> </a:t>
+            </a:r>
+            <a:r>
+              <a:rPr lang="en-US" b="1" dirty="0" err="1">
+                <a:latin typeface="Bahnschrift Condensed" panose="020B0502040204020203" pitchFamily="34" charset="0"/>
+              </a:rPr>
+              <a:t>ĐỒ</a:t>
+            </a:r>
+            <a:r>
+              <a:rPr lang="en-US" b="1" dirty="0">
+                <a:latin typeface="Bahnschrift Condensed" panose="020B0502040204020203" pitchFamily="34" charset="0"/>
+              </a:rPr>
+              <a:t> USE CASE</a:t>
+            </a:r>
+            <a:endParaRPr dirty="0"/>
           </a:p>
         </p:txBody>
       </p:sp>
@@ -33453,16 +33487,46 @@
           <a:p>
             <a:pPr algn="ctr"/>
             <a:r>
-              <a:rPr lang="en-US" sz="3000" b="1">
+              <a:rPr lang="en-US" sz="3000" b="1" dirty="0">
                 <a:solidFill>
                   <a:srgbClr val="3D3961"/>
                 </a:solidFill>
                 <a:latin typeface="Bahnschrift Condensed" panose="020B0502040204020203" pitchFamily="34" charset="0"/>
                 <a:cs typeface="Arial" panose="020B0604020202020204" pitchFamily="34" charset="0"/>
               </a:rPr>
-              <a:t>Use Case quản trị</a:t>
+              <a:t>Use Case </a:t>
             </a:r>
-            <a:endParaRPr lang="vi-VN" sz="3000" b="1">
+            <a:r>
+              <a:rPr lang="en-US" sz="3000" b="1" dirty="0" err="1">
+                <a:solidFill>
+                  <a:srgbClr val="3D3961"/>
+                </a:solidFill>
+                <a:latin typeface="Bahnschrift Condensed" panose="020B0502040204020203" pitchFamily="34" charset="0"/>
+                <a:cs typeface="Arial" panose="020B0604020202020204" pitchFamily="34" charset="0"/>
+              </a:rPr>
+              <a:t>quản</a:t>
+            </a:r>
+            <a:r>
+              <a:rPr lang="en-US" sz="3000" b="1" dirty="0">
+                <a:solidFill>
+                  <a:srgbClr val="3D3961"/>
+                </a:solidFill>
+                <a:latin typeface="Bahnschrift Condensed" panose="020B0502040204020203" pitchFamily="34" charset="0"/>
+                <a:cs typeface="Arial" panose="020B0604020202020204" pitchFamily="34" charset="0"/>
+              </a:rPr>
+              <a:t> </a:t>
+            </a:r>
+            <a:r>
+              <a:rPr lang="en-US" sz="3000" b="1" dirty="0" err="1">
+                <a:solidFill>
+                  <a:srgbClr val="3D3961"/>
+                </a:solidFill>
+                <a:latin typeface="Bahnschrift Condensed" panose="020B0502040204020203" pitchFamily="34" charset="0"/>
+                <a:cs typeface="Arial" panose="020B0604020202020204" pitchFamily="34" charset="0"/>
+              </a:rPr>
+              <a:t>trị</a:t>
+            </a:r>
+            <a:endParaRPr lang="vi-VN" sz="3000" b="1" dirty="0">
               <a:solidFill>
                 <a:srgbClr val="3D3961"/>
               </a:solidFill>
